--- a/spring13/slides13/pigeonhole.pptx
+++ b/spring13/slides13/pigeonhole.pptx
@@ -2523,22 +2523,7 @@
                 <a:uFillTx/>
                 <a:latin typeface="Comic Sans MS" pitchFamily="66" charset="0"/>
               </a:rPr>
-              <a:t>Albert R Meyer,       April </a:t>
-            </a:r>
-            <a:r>
-              <a:rPr kumimoji="0" lang="en-US" sz="1200" b="0" i="0" u="none" strike="noStrike" kern="1200" cap="none" spc="0" normalizeH="0" baseline="0" noProof="0" dirty="0" smtClean="0">
-                <a:ln>
-                  <a:noFill/>
-                </a:ln>
-                <a:solidFill>
-                  <a:schemeClr val="tx1"/>
-                </a:solidFill>
-                <a:effectLst/>
-                <a:uLnTx/>
-                <a:uFillTx/>
-                <a:latin typeface="Comic Sans MS" pitchFamily="66" charset="0"/>
-              </a:rPr>
-              <a:t>24, 2013</a:t>
+              <a:t>Albert R Meyer,       April 24, 2013</a:t>
             </a:r>
             <a:endParaRPr kumimoji="0" lang="en-US" sz="1200" b="0" i="0" u="none" strike="noStrike" kern="1200" cap="none" spc="0" normalizeH="0" baseline="0" noProof="0" dirty="0">
               <a:ln>
@@ -3155,6 +3140,14 @@
   <p:clrMapOvr>
     <a:masterClrMapping/>
   </p:clrMapOvr>
+  <mc:AlternateContent xmlns:mc="http://schemas.openxmlformats.org/markup-compatibility/2006" xmlns:p14="http://schemas.microsoft.com/office/powerpoint/2010/main">
+    <mc:Choice Requires="p14">
+      <p:transition spd="slow" p14:dur="2000" advClick="0"/>
+    </mc:Choice>
+    <mc:Fallback xmlns="">
+      <p:transition xmlns:p14="http://schemas.microsoft.com/office/powerpoint/2010/main" spd="slow" advClick="0"/>
+    </mc:Fallback>
+  </mc:AlternateContent>
   <p:timing>
     <p:tnLst>
       <p:par>
@@ -3297,7 +3290,7 @@
           <a:graphicData uri="http://schemas.openxmlformats.org/presentationml/2006/ole">
             <mc:AlternateContent xmlns:mc="http://schemas.openxmlformats.org/markup-compatibility/2006">
               <mc:Choice xmlns:v="urn:schemas-microsoft-com:vml" Requires="v">
-                <p:oleObj spid="_x0000_s115732" name="Equation" r:id="rId4" imgW="711200" imgH="482600" progId="Equation.DSMT4">
+                <p:oleObj spid="_x0000_s115737" name="Equation" r:id="rId4" imgW="711200" imgH="482600" progId="Equation.DSMT4">
                   <p:embed/>
                 </p:oleObj>
               </mc:Choice>
@@ -3475,7 +3468,18 @@
   <p:clrMapOvr>
     <a:masterClrMapping/>
   </p:clrMapOvr>
-  <p:transition xmlns:p14="http://schemas.microsoft.com/office/powerpoint/2010/main"/>
+  <mc:AlternateContent xmlns:mc="http://schemas.openxmlformats.org/markup-compatibility/2006" xmlns:p14="http://schemas.microsoft.com/office/powerpoint/2010/main">
+    <mc:Choice Requires="p14">
+      <p:transition spd="slow" p14:dur="900" advClick="0">
+        <p:fade/>
+      </p:transition>
+    </mc:Choice>
+    <mc:Fallback xmlns="">
+      <p:transition xmlns:p14="http://schemas.microsoft.com/office/powerpoint/2010/main" spd="slow" advClick="0">
+        <p:fade/>
+      </p:transition>
+    </mc:Fallback>
+  </mc:AlternateContent>
   <p:timing>
     <p:tnLst>
       <p:par>
@@ -3827,7 +3831,7 @@
           <a:graphicData uri="http://schemas.openxmlformats.org/presentationml/2006/ole">
             <mc:AlternateContent xmlns:mc="http://schemas.openxmlformats.org/markup-compatibility/2006">
               <mc:Choice xmlns:v="urn:schemas-microsoft-com:vml" Requires="v">
-                <p:oleObj spid="_x0000_s117780" name="Equation" r:id="rId4" imgW="291960" imgH="431640" progId="Equation.DSMT4">
+                <p:oleObj spid="_x0000_s117785" name="Equation" r:id="rId4" imgW="291960" imgH="431640" progId="Equation.DSMT4">
                   <p:embed/>
                 </p:oleObj>
               </mc:Choice>
@@ -3926,7 +3930,7 @@
   <p:clrMapOvr>
     <a:masterClrMapping/>
   </p:clrMapOvr>
-  <p:transition xmlns:p14="http://schemas.microsoft.com/office/powerpoint/2010/main"/>
+  <p:transition xmlns:p14="http://schemas.microsoft.com/office/powerpoint/2010/main" advClick="0"/>
   <p:timing>
     <p:tnLst>
       <p:par>
@@ -4826,7 +4830,7 @@
   <p:clrMapOvr>
     <a:masterClrMapping/>
   </p:clrMapOvr>
-  <p:transition xmlns:p14="http://schemas.microsoft.com/office/powerpoint/2010/main" spd="slow">
+  <p:transition xmlns:p14="http://schemas.microsoft.com/office/powerpoint/2010/main" spd="slow" advClick="0">
     <p:fade thruBlk="1"/>
   </p:transition>
   <p:timing>
@@ -5914,12 +5918,12 @@
   </p:clrMapOvr>
   <mc:AlternateContent xmlns:mc="http://schemas.openxmlformats.org/markup-compatibility/2006" xmlns:p14="http://schemas.microsoft.com/office/powerpoint/2010/main">
     <mc:Choice Requires="p14">
-      <p:transition spd="med" p14:dur="700" advClick="0">
+      <p:transition spd="slow" p14:dur="900" advClick="0">
         <p:fade/>
       </p:transition>
     </mc:Choice>
     <mc:Fallback xmlns="">
-      <p:transition xmlns:p14="http://schemas.microsoft.com/office/powerpoint/2010/main" spd="med" advClick="0">
+      <p:transition xmlns:p14="http://schemas.microsoft.com/office/powerpoint/2010/main" spd="slow" advClick="0">
         <p:fade/>
       </p:transition>
     </mc:Fallback>
@@ -6344,15 +6348,103 @@
   <p:clrMapOvr>
     <a:masterClrMapping/>
   </p:clrMapOvr>
-  <p:transition xmlns:p14="http://schemas.microsoft.com/office/powerpoint/2010/main" spd="med">
-    <p:fade/>
-  </p:transition>
+  <mc:AlternateContent xmlns:mc="http://schemas.openxmlformats.org/markup-compatibility/2006" xmlns:p14="http://schemas.microsoft.com/office/powerpoint/2010/main">
+    <mc:Choice Requires="p14">
+      <p:transition spd="slow" p14:dur="950" advClick="0">
+        <p:fade/>
+      </p:transition>
+    </mc:Choice>
+    <mc:Fallback xmlns="">
+      <p:transition xmlns:p14="http://schemas.microsoft.com/office/powerpoint/2010/main" spd="slow" advClick="0">
+        <p:fade/>
+      </p:transition>
+    </mc:Fallback>
+  </mc:AlternateContent>
   <p:timing>
     <p:tnLst>
       <p:par>
-        <p:cTn xmlns:p14="http://schemas.microsoft.com/office/powerpoint/2010/main" id="1" dur="indefinite" restart="never" nodeType="tmRoot"/>
+        <p:cTn xmlns:p14="http://schemas.microsoft.com/office/powerpoint/2010/main" id="1" dur="indefinite" restart="never" nodeType="tmRoot">
+          <p:childTnLst>
+            <p:seq concurrent="1" nextAc="seek">
+              <p:cTn id="2" dur="indefinite" nodeType="mainSeq">
+                <p:childTnLst>
+                  <p:par>
+                    <p:cTn id="3" fill="hold">
+                      <p:stCondLst>
+                        <p:cond delay="indefinite"/>
+                      </p:stCondLst>
+                      <p:childTnLst>
+                        <p:par>
+                          <p:cTn id="4" fill="hold">
+                            <p:stCondLst>
+                              <p:cond delay="0"/>
+                            </p:stCondLst>
+                            <p:childTnLst>
+                              <p:par>
+                                <p:cTn id="5" presetID="10" presetClass="entr" presetSubtype="0" fill="hold" grpId="0" nodeType="clickEffect">
+                                  <p:stCondLst>
+                                    <p:cond delay="0"/>
+                                  </p:stCondLst>
+                                  <p:childTnLst>
+                                    <p:set>
+                                      <p:cBhvr>
+                                        <p:cTn id="6" dur="1" fill="hold">
+                                          <p:stCondLst>
+                                            <p:cond delay="0"/>
+                                          </p:stCondLst>
+                                        </p:cTn>
+                                        <p:tgtEl>
+                                          <p:spTgt spid="8"/>
+                                        </p:tgtEl>
+                                        <p:attrNameLst>
+                                          <p:attrName>style.visibility</p:attrName>
+                                        </p:attrNameLst>
+                                      </p:cBhvr>
+                                      <p:to>
+                                        <p:strVal val="visible"/>
+                                      </p:to>
+                                    </p:set>
+                                    <p:animEffect transition="in" filter="fade">
+                                      <p:cBhvr>
+                                        <p:cTn id="7" dur="500"/>
+                                        <p:tgtEl>
+                                          <p:spTgt spid="8"/>
+                                        </p:tgtEl>
+                                      </p:cBhvr>
+                                    </p:animEffect>
+                                  </p:childTnLst>
+                                </p:cTn>
+                              </p:par>
+                            </p:childTnLst>
+                          </p:cTn>
+                        </p:par>
+                      </p:childTnLst>
+                    </p:cTn>
+                  </p:par>
+                </p:childTnLst>
+              </p:cTn>
+              <p:prevCondLst>
+                <p:cond evt="onPrev" delay="0">
+                  <p:tgtEl>
+                    <p:sldTgt/>
+                  </p:tgtEl>
+                </p:cond>
+              </p:prevCondLst>
+              <p:nextCondLst>
+                <p:cond evt="onNext" delay="0">
+                  <p:tgtEl>
+                    <p:sldTgt/>
+                  </p:tgtEl>
+                </p:cond>
+              </p:nextCondLst>
+            </p:seq>
+          </p:childTnLst>
+        </p:cTn>
       </p:par>
     </p:tnLst>
+    <p:bldLst>
+      <p:bldP spid="8" grpId="0" animBg="1"/>
+    </p:bldLst>
   </p:timing>
 </p:sld>
 </file>
@@ -6885,7 +6977,7 @@
   <p:clrMapOvr>
     <a:masterClrMapping/>
   </p:clrMapOvr>
-  <p:transition xmlns:p14="http://schemas.microsoft.com/office/powerpoint/2010/main" spd="slow">
+  <p:transition xmlns:p14="http://schemas.microsoft.com/office/powerpoint/2010/main" spd="slow" advClick="0">
     <p:fade thruBlk="1"/>
   </p:transition>
   <p:timing>
@@ -8641,18 +8733,9 @@
   <p:clrMapOvr>
     <a:masterClrMapping/>
   </p:clrMapOvr>
-  <mc:AlternateContent xmlns:mc="http://schemas.openxmlformats.org/markup-compatibility/2006" xmlns:p14="http://schemas.microsoft.com/office/powerpoint/2010/main">
-    <mc:Choice Requires="p14">
-      <p:transition spd="med" p14:dur="700">
-        <p:fade/>
-      </p:transition>
-    </mc:Choice>
-    <mc:Fallback xmlns="">
-      <p:transition xmlns:p14="http://schemas.microsoft.com/office/powerpoint/2010/main" spd="med">
-        <p:fade/>
-      </p:transition>
-    </mc:Fallback>
-  </mc:AlternateContent>
+  <p:transition xmlns:p14="http://schemas.microsoft.com/office/powerpoint/2010/main" spd="slow" advClick="0">
+    <p:fade/>
+  </p:transition>
   <p:timing>
     <p:tnLst>
       <p:par>
@@ -10091,12 +10174,12 @@
   </p:clrMapOvr>
   <mc:AlternateContent xmlns:mc="http://schemas.openxmlformats.org/markup-compatibility/2006" xmlns:p14="http://schemas.microsoft.com/office/powerpoint/2010/main">
     <mc:Choice Requires="p14">
-      <p:transition spd="med" p14:dur="700" advClick="0">
+      <p:transition spd="slow" p14:dur="900" advClick="0">
         <p:fade/>
       </p:transition>
     </mc:Choice>
     <mc:Fallback xmlns="">
-      <p:transition xmlns:p14="http://schemas.microsoft.com/office/powerpoint/2010/main" spd="med" advClick="0">
+      <p:transition xmlns:p14="http://schemas.microsoft.com/office/powerpoint/2010/main" spd="slow" advClick="0">
         <p:fade/>
       </p:transition>
     </mc:Fallback>
